--- a/Mathematics/Assignments/Math PPT.pptx
+++ b/Mathematics/Assignments/Math PPT.pptx
@@ -3070,7 +3070,7 @@
           <a:p>
             <a:fld id="{CEEBDA6D-DC69-4DCE-BAF7-6763517D3376}" type="datetimeFigureOut">
               <a:rPr lang="en-US"/>
-              <a:t>10/16/2020</a:t>
+              <a:t>12/21/2020</a:t>
             </a:fld>
             <a:endParaRPr/>
           </a:p>
@@ -3235,7 +3235,7 @@
           <a:p>
             <a:fld id="{237F6C43-988E-4257-9A1C-C162EF036D58}" type="datetimeFigureOut">
               <a:rPr lang="en-US"/>
-              <a:t>10/16/2020</a:t>
+              <a:t>12/21/2020</a:t>
             </a:fld>
             <a:endParaRPr/>
           </a:p>
@@ -4000,7 +4000,7 @@
             <a:fld id="{2CCFE9AC-F15C-4FA0-A6F1-298829FA691D}" type="datetimeFigureOut">
               <a:rPr lang="en-US" smtClean="0"/>
               <a:pPr/>
-              <a:t>10/16/2020</a:t>
+              <a:t>12/21/2020</a:t>
             </a:fld>
             <a:endParaRPr lang="en-US" dirty="0"/>
           </a:p>
@@ -4310,7 +4310,7 @@
             <a:fld id="{2CCFE9AC-F15C-4FA0-A6F1-298829FA691D}" type="datetimeFigureOut">
               <a:rPr lang="en-US" smtClean="0"/>
               <a:pPr/>
-              <a:t>10/16/2020</a:t>
+              <a:t>12/21/2020</a:t>
             </a:fld>
             <a:endParaRPr lang="en-US" dirty="0"/>
           </a:p>
@@ -4560,7 +4560,7 @@
             <a:fld id="{2CCFE9AC-F15C-4FA0-A6F1-298829FA691D}" type="datetimeFigureOut">
               <a:rPr lang="en-US" smtClean="0"/>
               <a:pPr/>
-              <a:t>10/16/2020</a:t>
+              <a:t>12/21/2020</a:t>
             </a:fld>
             <a:endParaRPr lang="en-US" dirty="0"/>
           </a:p>
@@ -5102,7 +5102,7 @@
             <a:fld id="{2CCFE9AC-F15C-4FA0-A6F1-298829FA691D}" type="datetimeFigureOut">
               <a:rPr lang="en-US" smtClean="0"/>
               <a:pPr/>
-              <a:t>10/16/2020</a:t>
+              <a:t>12/21/2020</a:t>
             </a:fld>
             <a:endParaRPr lang="en-US" dirty="0"/>
           </a:p>
@@ -5352,7 +5352,7 @@
             <a:fld id="{2CCFE9AC-F15C-4FA0-A6F1-298829FA691D}" type="datetimeFigureOut">
               <a:rPr lang="en-US" smtClean="0"/>
               <a:pPr/>
-              <a:t>10/16/2020</a:t>
+              <a:t>12/21/2020</a:t>
             </a:fld>
             <a:endParaRPr lang="en-US" dirty="0"/>
           </a:p>
@@ -5886,7 +5886,7 @@
             <a:fld id="{2CCFE9AC-F15C-4FA0-A6F1-298829FA691D}" type="datetimeFigureOut">
               <a:rPr lang="en-US" smtClean="0"/>
               <a:pPr/>
-              <a:t>10/16/2020</a:t>
+              <a:t>12/21/2020</a:t>
             </a:fld>
             <a:endParaRPr lang="en-US" dirty="0"/>
           </a:p>
@@ -6185,7 +6185,7 @@
             <a:fld id="{2CCFE9AC-F15C-4FA0-A6F1-298829FA691D}" type="datetimeFigureOut">
               <a:rPr lang="en-US" smtClean="0"/>
               <a:pPr/>
-              <a:t>10/16/2020</a:t>
+              <a:t>12/21/2020</a:t>
             </a:fld>
             <a:endParaRPr lang="en-US" dirty="0"/>
           </a:p>
@@ -6360,7 +6360,7 @@
           <a:p>
             <a:fld id="{2CCFE9AC-F15C-4FA0-A6F1-298829FA691D}" type="datetimeFigureOut">
               <a:rPr lang="en-US" smtClean="0"/>
-              <a:t>10/16/2020</a:t>
+              <a:t>12/21/2020</a:t>
             </a:fld>
             <a:endParaRPr lang="en-US"/>
           </a:p>
@@ -6552,7 +6552,7 @@
           <a:p>
             <a:fld id="{2CCFE9AC-F15C-4FA0-A6F1-298829FA691D}" type="datetimeFigureOut">
               <a:rPr lang="en-US" smtClean="0"/>
-              <a:t>10/16/2020</a:t>
+              <a:t>12/21/2020</a:t>
             </a:fld>
             <a:endParaRPr lang="en-US"/>
           </a:p>
@@ -6734,7 +6734,7 @@
           <a:p>
             <a:fld id="{2CCFE9AC-F15C-4FA0-A6F1-298829FA691D}" type="datetimeFigureOut">
               <a:rPr lang="en-US" smtClean="0"/>
-              <a:t>10/16/2020</a:t>
+              <a:t>12/21/2020</a:t>
             </a:fld>
             <a:endParaRPr lang="en-US"/>
           </a:p>
@@ -6998,7 +6998,7 @@
             <a:fld id="{2CCFE9AC-F15C-4FA0-A6F1-298829FA691D}" type="datetimeFigureOut">
               <a:rPr lang="en-US" smtClean="0"/>
               <a:pPr/>
-              <a:t>10/16/2020</a:t>
+              <a:t>12/21/2020</a:t>
             </a:fld>
             <a:endParaRPr lang="en-US"/>
           </a:p>
@@ -7308,7 +7308,7 @@
           <a:p>
             <a:fld id="{2CCFE9AC-F15C-4FA0-A6F1-298829FA691D}" type="datetimeFigureOut">
               <a:rPr lang="en-US" smtClean="0"/>
-              <a:t>10/16/2020</a:t>
+              <a:t>12/21/2020</a:t>
             </a:fld>
             <a:endParaRPr lang="en-US"/>
           </a:p>
@@ -7762,7 +7762,7 @@
           <a:p>
             <a:fld id="{2CCFE9AC-F15C-4FA0-A6F1-298829FA691D}" type="datetimeFigureOut">
               <a:rPr lang="en-US" smtClean="0"/>
-              <a:t>10/16/2020</a:t>
+              <a:t>12/21/2020</a:t>
             </a:fld>
             <a:endParaRPr lang="en-US"/>
           </a:p>
@@ -7892,7 +7892,7 @@
           <a:p>
             <a:fld id="{2CCFE9AC-F15C-4FA0-A6F1-298829FA691D}" type="datetimeFigureOut">
               <a:rPr lang="en-US" smtClean="0"/>
-              <a:t>10/16/2020</a:t>
+              <a:t>12/21/2020</a:t>
             </a:fld>
             <a:endParaRPr lang="en-US"/>
           </a:p>
@@ -7999,7 +7999,7 @@
           <a:p>
             <a:fld id="{2CCFE9AC-F15C-4FA0-A6F1-298829FA691D}" type="datetimeFigureOut">
               <a:rPr lang="en-US" smtClean="0"/>
-              <a:t>10/16/2020</a:t>
+              <a:t>12/21/2020</a:t>
             </a:fld>
             <a:endParaRPr lang="en-US"/>
           </a:p>
@@ -8294,7 +8294,7 @@
           <a:p>
             <a:fld id="{2CCFE9AC-F15C-4FA0-A6F1-298829FA691D}" type="datetimeFigureOut">
               <a:rPr lang="en-US" smtClean="0"/>
-              <a:t>10/16/2020</a:t>
+              <a:t>12/21/2020</a:t>
             </a:fld>
             <a:endParaRPr lang="en-US"/>
           </a:p>
@@ -8597,7 +8597,7 @@
           <a:p>
             <a:fld id="{2CCFE9AC-F15C-4FA0-A6F1-298829FA691D}" type="datetimeFigureOut">
               <a:rPr lang="en-US" smtClean="0"/>
-              <a:t>10/16/2020</a:t>
+              <a:t>12/21/2020</a:t>
             </a:fld>
             <a:endParaRPr lang="en-US"/>
           </a:p>
@@ -9140,7 +9140,7 @@
             <a:fld id="{2CCFE9AC-F15C-4FA0-A6F1-298829FA691D}" type="datetimeFigureOut">
               <a:rPr lang="en-US" smtClean="0"/>
               <a:pPr/>
-              <a:t>10/16/2020</a:t>
+              <a:t>12/21/2020</a:t>
             </a:fld>
             <a:endParaRPr lang="en-US" dirty="0"/>
           </a:p>
@@ -9734,7 +9734,7 @@
           <a:bodyPr/>
           <a:lstStyle/>
           <a:p>
-            <a:endParaRPr lang="en-IN"/>
+            <a:endParaRPr lang="en-IN" dirty="0"/>
           </a:p>
         </p:txBody>
       </p:sp>
@@ -11780,7 +11780,12 @@
             <p:ph type="title"/>
           </p:nvPr>
         </p:nvSpPr>
-        <p:spPr/>
+        <p:spPr>
+          <a:xfrm>
+            <a:off x="1375254" y="2430710"/>
+            <a:ext cx="10018713" cy="1752599"/>
+          </a:xfrm>
+        </p:spPr>
         <p:txBody>
           <a:bodyPr>
             <a:normAutofit/>
@@ -11797,71 +11802,6 @@
             <a:endParaRPr lang="en-IN" sz="4000" b="1" dirty="0">
               <a:latin typeface="Elephant" panose="02020904090505020303" pitchFamily="18" charset="0"/>
             </a:endParaRPr>
-          </a:p>
-        </p:txBody>
-      </p:sp>
-      <p:sp>
-        <p:nvSpPr>
-          <p:cNvPr id="3" name="Content Placeholder 2">
-            <a:extLst>
-              <a:ext uri="{FF2B5EF4-FFF2-40B4-BE49-F238E27FC236}">
-                <a16:creationId xmlns:a16="http://schemas.microsoft.com/office/drawing/2014/main" id="{D32CBF8F-FCB4-4504-B9C2-D3EC3849D3EF}"/>
-              </a:ext>
-            </a:extLst>
-          </p:cNvPr>
-          <p:cNvSpPr>
-            <a:spLocks noGrp="1"/>
-          </p:cNvSpPr>
-          <p:nvPr>
-            <p:ph idx="1"/>
-          </p:nvPr>
-        </p:nvSpPr>
-        <p:spPr>
-          <a:xfrm>
-            <a:off x="1852996" y="374914"/>
-            <a:ext cx="9650028" cy="6108172"/>
-          </a:xfrm>
-        </p:spPr>
-        <p:txBody>
-          <a:bodyPr/>
-          <a:lstStyle/>
-          <a:p>
-            <a:r>
-              <a:rPr lang="en-US" b="1" dirty="0">
-                <a:latin typeface="Baskerville Old Face" panose="02020602080505020303" pitchFamily="18" charset="0"/>
-              </a:rPr>
-              <a:t>Discrete mathematics is mathematics that deals with discrete </a:t>
-            </a:r>
-            <a:r>
-              <a:rPr lang="en-US" b="1" dirty="0" err="1">
-                <a:latin typeface="Baskerville Old Face" panose="02020602080505020303" pitchFamily="18" charset="0"/>
-              </a:rPr>
-              <a:t>objects.Discrete</a:t>
-            </a:r>
-            <a:r>
-              <a:rPr lang="en-US" b="1" dirty="0">
-                <a:latin typeface="Baskerville Old Face" panose="02020602080505020303" pitchFamily="18" charset="0"/>
-              </a:rPr>
-              <a:t>  objects are those which are separated from each other. Integers , rational numbers , automobiles , houses , people </a:t>
-            </a:r>
-            <a:r>
-              <a:rPr lang="en-US" b="1" dirty="0" err="1">
-                <a:latin typeface="Baskerville Old Face" panose="02020602080505020303" pitchFamily="18" charset="0"/>
-              </a:rPr>
-              <a:t>etc</a:t>
-            </a:r>
-            <a:r>
-              <a:rPr lang="en-US" b="1" dirty="0">
-                <a:latin typeface="Baskerville Old Face" panose="02020602080505020303" pitchFamily="18" charset="0"/>
-              </a:rPr>
-              <a:t> are all discrete objects.</a:t>
-            </a:r>
-            <a:endParaRPr lang="en-IN" b="1" dirty="0">
-              <a:latin typeface="Baskerville Old Face" panose="02020602080505020303" pitchFamily="18" charset="0"/>
-            </a:endParaRPr>
-          </a:p>
-          <a:p>
-            <a:endParaRPr lang="en-US" dirty="0"/>
           </a:p>
         </p:txBody>
       </p:sp>
@@ -11954,7 +11894,12 @@
             <p:ph idx="1"/>
           </p:nvPr>
         </p:nvSpPr>
-        <p:spPr/>
+        <p:spPr>
+          <a:xfrm>
+            <a:off x="1484310" y="1945546"/>
+            <a:ext cx="10018713" cy="3124201"/>
+          </a:xfrm>
+        </p:spPr>
         <p:txBody>
           <a:bodyPr/>
           <a:lstStyle/>
@@ -11968,23 +11913,6 @@
               </a:rPr>
               <a:t>Theoretical computer science includes area of discrete mathematics relevant to computing.</a:t>
             </a:r>
-          </a:p>
-          <a:p>
-            <a:pPr marL="0" indent="0">
-              <a:buNone/>
-            </a:pPr>
-            <a:r>
-              <a:rPr lang="en-US" b="1" dirty="0">
-                <a:latin typeface="Baskerville Old Face" panose="02020602080505020303" pitchFamily="18" charset="0"/>
-              </a:rPr>
-              <a:t>Theoretical computer science also includes the study of various continuous computational objects.</a:t>
-            </a:r>
-            <a:endParaRPr lang="en-IN" b="1" dirty="0">
-              <a:latin typeface="Baskerville Old Face" panose="02020602080505020303" pitchFamily="18" charset="0"/>
-            </a:endParaRPr>
-          </a:p>
-          <a:p>
-            <a:endParaRPr lang="en-IN" dirty="0"/>
           </a:p>
         </p:txBody>
       </p:sp>
@@ -12096,20 +12024,6 @@
           <a:bodyPr/>
           <a:lstStyle/>
           <a:p>
-            <a:r>
-              <a:rPr lang="en-US" b="1" dirty="0">
-                <a:latin typeface="Baskerville Old Face" panose="02020602080505020303" pitchFamily="18" charset="0"/>
-              </a:rPr>
-              <a:t>Information theory involves the qualification of information. Closely related </a:t>
-            </a:r>
-            <a:r>
-              <a:rPr lang="en-IN" b="1" dirty="0">
-                <a:latin typeface="Baskerville Old Face" panose="02020602080505020303" pitchFamily="18" charset="0"/>
-              </a:rPr>
-              <a:t>is coding theory which is used to design efficient and reliable data transmission and storage methods . Here is a simple circle of continuous topics.</a:t>
-            </a:r>
-          </a:p>
-          <a:p>
             <a:pPr marL="0" indent="0">
               <a:buNone/>
             </a:pPr>
@@ -12156,8 +12070,8 @@
         </p:blipFill>
         <p:spPr>
           <a:xfrm>
-            <a:off x="3497802" y="3258106"/>
-            <a:ext cx="5086905" cy="2695020"/>
+            <a:off x="3472635" y="1736521"/>
+            <a:ext cx="5086905" cy="4501831"/>
           </a:xfrm>
           <a:prstGeom prst="rect">
             <a:avLst/>
@@ -12222,7 +12136,12 @@
             <p:ph type="title"/>
           </p:nvPr>
         </p:nvSpPr>
-        <p:spPr/>
+        <p:spPr>
+          <a:xfrm>
+            <a:off x="2550792" y="2552700"/>
+            <a:ext cx="10018713" cy="1752599"/>
+          </a:xfrm>
+        </p:spPr>
         <p:txBody>
           <a:bodyPr>
             <a:normAutofit/>
@@ -12231,58 +12150,14 @@
           <a:p>
             <a:pPr algn="l"/>
             <a:r>
-              <a:rPr lang="en-US" sz="3600" b="1" u="sng" dirty="0">
+              <a:rPr lang="en-US" sz="3600" b="1" dirty="0">
                 <a:latin typeface="Elephant" panose="02020904090505020303" pitchFamily="18" charset="0"/>
               </a:rPr>
-              <a:t>Mathematical Logic :</a:t>
+              <a:t>What is Mathematical Logic ?</a:t>
             </a:r>
-            <a:endParaRPr lang="en-IN" sz="3600" b="1" u="sng" dirty="0">
+            <a:endParaRPr lang="en-IN" sz="3600" b="1" dirty="0">
               <a:latin typeface="Elephant" panose="02020904090505020303" pitchFamily="18" charset="0"/>
             </a:endParaRPr>
-          </a:p>
-        </p:txBody>
-      </p:sp>
-      <p:sp>
-        <p:nvSpPr>
-          <p:cNvPr id="3" name="Content Placeholder 2">
-            <a:extLst>
-              <a:ext uri="{FF2B5EF4-FFF2-40B4-BE49-F238E27FC236}">
-                <a16:creationId xmlns:a16="http://schemas.microsoft.com/office/drawing/2014/main" id="{C2114032-CD03-4CCE-BD10-5D0520C1D249}"/>
-              </a:ext>
-            </a:extLst>
-          </p:cNvPr>
-          <p:cNvSpPr>
-            <a:spLocks noGrp="1"/>
-          </p:cNvSpPr>
-          <p:nvPr>
-            <p:ph idx="1"/>
-          </p:nvPr>
-        </p:nvSpPr>
-        <p:spPr/>
-        <p:txBody>
-          <a:bodyPr/>
-          <a:lstStyle/>
-          <a:p>
-            <a:r>
-              <a:rPr lang="en-US" b="1" dirty="0">
-                <a:latin typeface="Baskerville Old Face" panose="02020602080505020303" pitchFamily="18" charset="0"/>
-              </a:rPr>
-              <a:t>Logic is the study of the principles of valid reasoning and inference.</a:t>
-            </a:r>
-          </a:p>
-          <a:p>
-            <a:r>
-              <a:rPr lang="en-US" b="1" dirty="0">
-                <a:latin typeface="Baskerville Old Face" panose="02020602080505020303" pitchFamily="18" charset="0"/>
-              </a:rPr>
-              <a:t>The study of mathematical proof is particularly important in logic , and has applications to automated theorem proving and formal verification of software.</a:t>
-            </a:r>
-            <a:endParaRPr lang="en-IN" b="1" dirty="0">
-              <a:latin typeface="Baskerville Old Face" panose="02020602080505020303" pitchFamily="18" charset="0"/>
-            </a:endParaRPr>
-          </a:p>
-          <a:p>
-            <a:endParaRPr lang="en-IN" dirty="0"/>
           </a:p>
         </p:txBody>
       </p:sp>
